--- a/Apresentação TCC - Felipe Rosa v2.pptx
+++ b/Apresentação TCC - Felipe Rosa v2.pptx
@@ -154,6 +154,9 @@
         </p15:guide>
       </p15:sldGuideLst>
     </p:ext>
+    <p:ext uri="{2D200454-40CA-4A62-9FC3-DE9A4176ACB9}">
+      <p15:notesGuideLst xmlns:p15="http://schemas.microsoft.com/office/powerpoint/2012/main"/>
+    </p:ext>
   </p:extLst>
 </p:presentation>
 </file>
@@ -252,7 +255,7 @@
           <a:p>
             <a:fld id="{5BF63BD9-9373-4C3D-A305-3902BF17D675}" type="datetimeFigureOut">
               <a:rPr lang="pt-BR" smtClean="0"/>
-              <a:t>11/07/2023</a:t>
+              <a:t>14/07/2023</a:t>
             </a:fld>
             <a:endParaRPr lang="pt-BR"/>
           </a:p>
@@ -430,7 +433,7 @@
             <a:fld id="{B6AFC7F5-A2A7-4117-AEC5-522F6876669B}" type="datetimeFigureOut">
               <a:rPr lang="pt-BR" smtClean="0"/>
               <a:pPr/>
-              <a:t>11/07/2023</a:t>
+              <a:t>14/07/2023</a:t>
             </a:fld>
             <a:endParaRPr lang="pt-BR"/>
           </a:p>
@@ -1286,7 +1289,7 @@
             <a:fld id="{5C0BD605-27D0-469C-AF59-8CF29CDC136B}" type="datetimeFigureOut">
               <a:rPr lang="pt-BR" smtClean="0"/>
               <a:pPr/>
-              <a:t>11/07/2023</a:t>
+              <a:t>14/07/2023</a:t>
             </a:fld>
             <a:endParaRPr lang="pt-BR"/>
           </a:p>
@@ -1542,7 +1545,7 @@
             <a:fld id="{5C0BD605-27D0-469C-AF59-8CF29CDC136B}" type="datetimeFigureOut">
               <a:rPr lang="pt-BR" smtClean="0"/>
               <a:pPr/>
-              <a:t>11/07/2023</a:t>
+              <a:t>14/07/2023</a:t>
             </a:fld>
             <a:endParaRPr lang="pt-BR"/>
           </a:p>
@@ -1877,7 +1880,7 @@
             <a:fld id="{5C0BD605-27D0-469C-AF59-8CF29CDC136B}" type="datetimeFigureOut">
               <a:rPr lang="pt-BR" smtClean="0"/>
               <a:pPr/>
-              <a:t>11/07/2023</a:t>
+              <a:t>14/07/2023</a:t>
             </a:fld>
             <a:endParaRPr lang="pt-BR"/>
           </a:p>
@@ -23179,7 +23182,7 @@
                 <a:latin typeface="Arial" pitchFamily="34" charset="0"/>
                 <a:cs typeface="Arial" pitchFamily="34" charset="0"/>
               </a:rPr>
-              <a:t>Objetivo</a:t>
+              <a:t>Questão de Pesquisa e Objetivo</a:t>
             </a:r>
             <a:endParaRPr lang="pt-BR" dirty="0"/>
           </a:p>
@@ -23215,7 +23218,51 @@
               <a:rPr lang="pt-BR" sz="2800" dirty="0">
                 <a:cs typeface="Arial" panose="020B0604020202020204" pitchFamily="34" charset="0"/>
               </a:rPr>
-              <a:t> Identificar quais as diferenças de desempenho entre as implementações de </a:t>
+              <a:t> Quais as diferenças de desempenho entre implementações de </a:t>
+            </a:r>
+            <a:r>
+              <a:rPr lang="pt-BR" sz="2800" i="1" dirty="0">
+                <a:cs typeface="Arial" panose="020B0604020202020204" pitchFamily="34" charset="0"/>
+              </a:rPr>
+              <a:t>threads </a:t>
+            </a:r>
+            <a:r>
+              <a:rPr lang="pt-BR" sz="2800" dirty="0">
+                <a:cs typeface="Arial" panose="020B0604020202020204" pitchFamily="34" charset="0"/>
+              </a:rPr>
+              <a:t>em Java, quando aplicadas ao servidor </a:t>
+            </a:r>
+            <a:r>
+              <a:rPr lang="pt-BR" sz="2800" dirty="0" err="1">
+                <a:cs typeface="Arial" panose="020B0604020202020204" pitchFamily="34" charset="0"/>
+              </a:rPr>
+              <a:t>Tomcat</a:t>
+            </a:r>
+            <a:r>
+              <a:rPr lang="pt-BR" sz="2800" dirty="0">
+                <a:cs typeface="Arial" panose="020B0604020202020204" pitchFamily="34" charset="0"/>
+              </a:rPr>
+              <a:t>?</a:t>
+            </a:r>
+          </a:p>
+          <a:p>
+            <a:pPr marL="0" indent="0">
+              <a:buNone/>
+            </a:pPr>
+            <a:endParaRPr lang="pt-BR" sz="2800" i="1" dirty="0">
+              <a:cs typeface="Arial" panose="020B0604020202020204" pitchFamily="34" charset="0"/>
+            </a:endParaRPr>
+          </a:p>
+          <a:p>
+            <a:pPr>
+              <a:buFont typeface="Arial" panose="020B0604020202020204" pitchFamily="34" charset="0"/>
+              <a:buChar char="•"/>
+            </a:pPr>
+            <a:r>
+              <a:rPr lang="pt-BR" sz="2800" dirty="0">
+                <a:cs typeface="Arial" panose="020B0604020202020204" pitchFamily="34" charset="0"/>
+              </a:rPr>
+              <a:t> Identificar as diferenças de desempenho entre as implementações de </a:t>
             </a:r>
             <a:r>
               <a:rPr lang="pt-BR" sz="2800" i="1" dirty="0">
